--- a/doc/source/_static/raw_figures_4.8x6.4.pptx
+++ b/doc/source/_static/raw_figures_4.8x6.4.pptx
@@ -5,7 +5,7 @@
     <p:sldMasterId id="2147483672" r:id="rId1"/>
   </p:sldMasterIdLst>
   <p:notesMasterIdLst>
-    <p:notesMasterId r:id="rId20"/>
+    <p:notesMasterId r:id="rId28"/>
   </p:notesMasterIdLst>
   <p:sldIdLst>
     <p:sldId id="256" r:id="rId2"/>
@@ -24,8 +24,16 @@
     <p:sldId id="272" r:id="rId15"/>
     <p:sldId id="275" r:id="rId16"/>
     <p:sldId id="276" r:id="rId17"/>
-    <p:sldId id="269" r:id="rId18"/>
-    <p:sldId id="270" r:id="rId19"/>
+    <p:sldId id="277" r:id="rId18"/>
+    <p:sldId id="278" r:id="rId19"/>
+    <p:sldId id="279" r:id="rId20"/>
+    <p:sldId id="280" r:id="rId21"/>
+    <p:sldId id="281" r:id="rId22"/>
+    <p:sldId id="282" r:id="rId23"/>
+    <p:sldId id="283" r:id="rId24"/>
+    <p:sldId id="284" r:id="rId25"/>
+    <p:sldId id="269" r:id="rId26"/>
+    <p:sldId id="270" r:id="rId27"/>
   </p:sldIdLst>
   <p:sldSz cx="5851525" cy="4389438"/>
   <p:notesSz cx="6858000" cy="9144000"/>
@@ -145,6 +153,14 @@
             <p14:sldId id="272"/>
             <p14:sldId id="275"/>
             <p14:sldId id="276"/>
+            <p14:sldId id="277"/>
+            <p14:sldId id="278"/>
+            <p14:sldId id="279"/>
+            <p14:sldId id="280"/>
+            <p14:sldId id="281"/>
+            <p14:sldId id="282"/>
+            <p14:sldId id="283"/>
+            <p14:sldId id="284"/>
           </p14:sldIdLst>
         </p14:section>
         <p14:section name="context_b" id="{B2DD093C-A5F8-46A2-AC93-2E87EC455D39}">
@@ -657,7 +673,7 @@
           <a:p>
             <a:fld id="{D1D071A9-4FC4-44F2-B648-9EAC8203B14B}" type="slidenum">
               <a:rPr lang="en-US" smtClean="0"/>
-              <a:t>13</a:t>
+              <a:t>11</a:t>
             </a:fld>
             <a:endParaRPr lang="en-US"/>
           </a:p>
@@ -666,7 +682,7 @@
     </p:spTree>
     <p:extLst>
       <p:ext uri="{BB962C8B-B14F-4D97-AF65-F5344CB8AC3E}">
-        <p14:creationId xmlns:p14="http://schemas.microsoft.com/office/powerpoint/2010/main" val="593014484"/>
+        <p14:creationId xmlns:p14="http://schemas.microsoft.com/office/powerpoint/2010/main" val="2109714622"/>
       </p:ext>
     </p:extLst>
   </p:cSld>
@@ -741,7 +757,7 @@
           <a:p>
             <a:fld id="{D1D071A9-4FC4-44F2-B648-9EAC8203B14B}" type="slidenum">
               <a:rPr lang="en-US" smtClean="0"/>
-              <a:t>14</a:t>
+              <a:t>12</a:t>
             </a:fld>
             <a:endParaRPr lang="en-US"/>
           </a:p>
@@ -750,7 +766,7 @@
     </p:spTree>
     <p:extLst>
       <p:ext uri="{BB962C8B-B14F-4D97-AF65-F5344CB8AC3E}">
-        <p14:creationId xmlns:p14="http://schemas.microsoft.com/office/powerpoint/2010/main" val="1753144183"/>
+        <p14:creationId xmlns:p14="http://schemas.microsoft.com/office/powerpoint/2010/main" val="4158569635"/>
       </p:ext>
     </p:extLst>
   </p:cSld>
@@ -825,7 +841,7 @@
           <a:p>
             <a:fld id="{D1D071A9-4FC4-44F2-B648-9EAC8203B14B}" type="slidenum">
               <a:rPr lang="en-US" smtClean="0"/>
-              <a:t>15</a:t>
+              <a:t>13</a:t>
             </a:fld>
             <a:endParaRPr lang="en-US"/>
           </a:p>
@@ -834,7 +850,7 @@
     </p:spTree>
     <p:extLst>
       <p:ext uri="{BB962C8B-B14F-4D97-AF65-F5344CB8AC3E}">
-        <p14:creationId xmlns:p14="http://schemas.microsoft.com/office/powerpoint/2010/main" val="3902059643"/>
+        <p14:creationId xmlns:p14="http://schemas.microsoft.com/office/powerpoint/2010/main" val="593014484"/>
       </p:ext>
     </p:extLst>
   </p:cSld>
@@ -909,7 +925,7 @@
           <a:p>
             <a:fld id="{D1D071A9-4FC4-44F2-B648-9EAC8203B14B}" type="slidenum">
               <a:rPr lang="en-US" smtClean="0"/>
-              <a:t>16</a:t>
+              <a:t>14</a:t>
             </a:fld>
             <a:endParaRPr lang="en-US"/>
           </a:p>
@@ -918,7 +934,7 @@
     </p:spTree>
     <p:extLst>
       <p:ext uri="{BB962C8B-B14F-4D97-AF65-F5344CB8AC3E}">
-        <p14:creationId xmlns:p14="http://schemas.microsoft.com/office/powerpoint/2010/main" val="3525946776"/>
+        <p14:creationId xmlns:p14="http://schemas.microsoft.com/office/powerpoint/2010/main" val="1753144183"/>
       </p:ext>
     </p:extLst>
   </p:cSld>
@@ -993,7 +1009,7 @@
           <a:p>
             <a:fld id="{D1D071A9-4FC4-44F2-B648-9EAC8203B14B}" type="slidenum">
               <a:rPr lang="en-US" smtClean="0"/>
-              <a:t>17</a:t>
+              <a:t>15</a:t>
             </a:fld>
             <a:endParaRPr lang="en-US"/>
           </a:p>
@@ -1002,7 +1018,7 @@
     </p:spTree>
     <p:extLst>
       <p:ext uri="{BB962C8B-B14F-4D97-AF65-F5344CB8AC3E}">
-        <p14:creationId xmlns:p14="http://schemas.microsoft.com/office/powerpoint/2010/main" val="1286014737"/>
+        <p14:creationId xmlns:p14="http://schemas.microsoft.com/office/powerpoint/2010/main" val="3902059643"/>
       </p:ext>
     </p:extLst>
   </p:cSld>
@@ -1077,6 +1093,174 @@
           <a:p>
             <a:fld id="{D1D071A9-4FC4-44F2-B648-9EAC8203B14B}" type="slidenum">
               <a:rPr lang="en-US" smtClean="0"/>
+              <a:t>16</a:t>
+            </a:fld>
+            <a:endParaRPr lang="en-US"/>
+          </a:p>
+        </p:txBody>
+      </p:sp>
+    </p:spTree>
+    <p:extLst>
+      <p:ext uri="{BB962C8B-B14F-4D97-AF65-F5344CB8AC3E}">
+        <p14:creationId xmlns:p14="http://schemas.microsoft.com/office/powerpoint/2010/main" val="3525946776"/>
+      </p:ext>
+    </p:extLst>
+  </p:cSld>
+  <p:clrMapOvr>
+    <a:masterClrMapping/>
+  </p:clrMapOvr>
+</p:notes>
+</file>
+
+<file path=ppt/notesSlides/notesSlide16.xml><?xml version="1.0" encoding="utf-8"?>
+<p:notes xmlns:a="http://schemas.openxmlformats.org/drawingml/2006/main" xmlns:r="http://schemas.openxmlformats.org/officeDocument/2006/relationships" xmlns:p="http://schemas.openxmlformats.org/presentationml/2006/main">
+  <p:cSld>
+    <p:spTree>
+      <p:nvGrpSpPr>
+        <p:cNvPr id="1" name=""/>
+        <p:cNvGrpSpPr/>
+        <p:nvPr/>
+      </p:nvGrpSpPr>
+      <p:grpSpPr>
+        <a:xfrm>
+          <a:off x="0" y="0"/>
+          <a:ext cx="0" cy="0"/>
+          <a:chOff x="0" y="0"/>
+          <a:chExt cx="0" cy="0"/>
+        </a:xfrm>
+      </p:grpSpPr>
+      <p:sp>
+        <p:nvSpPr>
+          <p:cNvPr id="2" name="Slide Image Placeholder 1"/>
+          <p:cNvSpPr>
+            <a:spLocks noGrp="1" noRot="1" noChangeAspect="1"/>
+          </p:cNvSpPr>
+          <p:nvPr>
+            <p:ph type="sldImg"/>
+          </p:nvPr>
+        </p:nvSpPr>
+        <p:spPr/>
+      </p:sp>
+      <p:sp>
+        <p:nvSpPr>
+          <p:cNvPr id="3" name="Notes Placeholder 2"/>
+          <p:cNvSpPr>
+            <a:spLocks noGrp="1"/>
+          </p:cNvSpPr>
+          <p:nvPr>
+            <p:ph type="body" idx="1"/>
+          </p:nvPr>
+        </p:nvSpPr>
+        <p:spPr/>
+        <p:txBody>
+          <a:bodyPr/>
+          <a:lstStyle/>
+          <a:p>
+            <a:endParaRPr lang="en-US" dirty="0"/>
+          </a:p>
+        </p:txBody>
+      </p:sp>
+      <p:sp>
+        <p:nvSpPr>
+          <p:cNvPr id="4" name="Slide Number Placeholder 3"/>
+          <p:cNvSpPr>
+            <a:spLocks noGrp="1"/>
+          </p:cNvSpPr>
+          <p:nvPr>
+            <p:ph type="sldNum" sz="quarter" idx="5"/>
+          </p:nvPr>
+        </p:nvSpPr>
+        <p:spPr/>
+        <p:txBody>
+          <a:bodyPr/>
+          <a:lstStyle/>
+          <a:p>
+            <a:fld id="{D1D071A9-4FC4-44F2-B648-9EAC8203B14B}" type="slidenum">
+              <a:rPr lang="en-US" smtClean="0"/>
+              <a:t>17</a:t>
+            </a:fld>
+            <a:endParaRPr lang="en-US"/>
+          </a:p>
+        </p:txBody>
+      </p:sp>
+    </p:spTree>
+    <p:extLst>
+      <p:ext uri="{BB962C8B-B14F-4D97-AF65-F5344CB8AC3E}">
+        <p14:creationId xmlns:p14="http://schemas.microsoft.com/office/powerpoint/2010/main" val="3443079549"/>
+      </p:ext>
+    </p:extLst>
+  </p:cSld>
+  <p:clrMapOvr>
+    <a:masterClrMapping/>
+  </p:clrMapOvr>
+</p:notes>
+</file>
+
+<file path=ppt/notesSlides/notesSlide17.xml><?xml version="1.0" encoding="utf-8"?>
+<p:notes xmlns:a="http://schemas.openxmlformats.org/drawingml/2006/main" xmlns:r="http://schemas.openxmlformats.org/officeDocument/2006/relationships" xmlns:p="http://schemas.openxmlformats.org/presentationml/2006/main">
+  <p:cSld>
+    <p:spTree>
+      <p:nvGrpSpPr>
+        <p:cNvPr id="1" name=""/>
+        <p:cNvGrpSpPr/>
+        <p:nvPr/>
+      </p:nvGrpSpPr>
+      <p:grpSpPr>
+        <a:xfrm>
+          <a:off x="0" y="0"/>
+          <a:ext cx="0" cy="0"/>
+          <a:chOff x="0" y="0"/>
+          <a:chExt cx="0" cy="0"/>
+        </a:xfrm>
+      </p:grpSpPr>
+      <p:sp>
+        <p:nvSpPr>
+          <p:cNvPr id="2" name="Slide Image Placeholder 1"/>
+          <p:cNvSpPr>
+            <a:spLocks noGrp="1" noRot="1" noChangeAspect="1"/>
+          </p:cNvSpPr>
+          <p:nvPr>
+            <p:ph type="sldImg"/>
+          </p:nvPr>
+        </p:nvSpPr>
+        <p:spPr/>
+      </p:sp>
+      <p:sp>
+        <p:nvSpPr>
+          <p:cNvPr id="3" name="Notes Placeholder 2"/>
+          <p:cNvSpPr>
+            <a:spLocks noGrp="1"/>
+          </p:cNvSpPr>
+          <p:nvPr>
+            <p:ph type="body" idx="1"/>
+          </p:nvPr>
+        </p:nvSpPr>
+        <p:spPr/>
+        <p:txBody>
+          <a:bodyPr/>
+          <a:lstStyle/>
+          <a:p>
+            <a:endParaRPr lang="en-US" dirty="0"/>
+          </a:p>
+        </p:txBody>
+      </p:sp>
+      <p:sp>
+        <p:nvSpPr>
+          <p:cNvPr id="4" name="Slide Number Placeholder 3"/>
+          <p:cNvSpPr>
+            <a:spLocks noGrp="1"/>
+          </p:cNvSpPr>
+          <p:nvPr>
+            <p:ph type="sldNum" sz="quarter" idx="5"/>
+          </p:nvPr>
+        </p:nvSpPr>
+        <p:spPr/>
+        <p:txBody>
+          <a:bodyPr/>
+          <a:lstStyle/>
+          <a:p>
+            <a:fld id="{D1D071A9-4FC4-44F2-B648-9EAC8203B14B}" type="slidenum">
+              <a:rPr lang="en-US" smtClean="0"/>
               <a:t>18</a:t>
             </a:fld>
             <a:endParaRPr lang="en-US"/>
@@ -1086,7 +1270,175 @@
     </p:spTree>
     <p:extLst>
       <p:ext uri="{BB962C8B-B14F-4D97-AF65-F5344CB8AC3E}">
-        <p14:creationId xmlns:p14="http://schemas.microsoft.com/office/powerpoint/2010/main" val="2052660032"/>
+        <p14:creationId xmlns:p14="http://schemas.microsoft.com/office/powerpoint/2010/main" val="2736081184"/>
+      </p:ext>
+    </p:extLst>
+  </p:cSld>
+  <p:clrMapOvr>
+    <a:masterClrMapping/>
+  </p:clrMapOvr>
+</p:notes>
+</file>
+
+<file path=ppt/notesSlides/notesSlide18.xml><?xml version="1.0" encoding="utf-8"?>
+<p:notes xmlns:a="http://schemas.openxmlformats.org/drawingml/2006/main" xmlns:r="http://schemas.openxmlformats.org/officeDocument/2006/relationships" xmlns:p="http://schemas.openxmlformats.org/presentationml/2006/main">
+  <p:cSld>
+    <p:spTree>
+      <p:nvGrpSpPr>
+        <p:cNvPr id="1" name=""/>
+        <p:cNvGrpSpPr/>
+        <p:nvPr/>
+      </p:nvGrpSpPr>
+      <p:grpSpPr>
+        <a:xfrm>
+          <a:off x="0" y="0"/>
+          <a:ext cx="0" cy="0"/>
+          <a:chOff x="0" y="0"/>
+          <a:chExt cx="0" cy="0"/>
+        </a:xfrm>
+      </p:grpSpPr>
+      <p:sp>
+        <p:nvSpPr>
+          <p:cNvPr id="2" name="Slide Image Placeholder 1"/>
+          <p:cNvSpPr>
+            <a:spLocks noGrp="1" noRot="1" noChangeAspect="1"/>
+          </p:cNvSpPr>
+          <p:nvPr>
+            <p:ph type="sldImg"/>
+          </p:nvPr>
+        </p:nvSpPr>
+        <p:spPr/>
+      </p:sp>
+      <p:sp>
+        <p:nvSpPr>
+          <p:cNvPr id="3" name="Notes Placeholder 2"/>
+          <p:cNvSpPr>
+            <a:spLocks noGrp="1"/>
+          </p:cNvSpPr>
+          <p:nvPr>
+            <p:ph type="body" idx="1"/>
+          </p:nvPr>
+        </p:nvSpPr>
+        <p:spPr/>
+        <p:txBody>
+          <a:bodyPr/>
+          <a:lstStyle/>
+          <a:p>
+            <a:endParaRPr lang="en-US" dirty="0"/>
+          </a:p>
+        </p:txBody>
+      </p:sp>
+      <p:sp>
+        <p:nvSpPr>
+          <p:cNvPr id="4" name="Slide Number Placeholder 3"/>
+          <p:cNvSpPr>
+            <a:spLocks noGrp="1"/>
+          </p:cNvSpPr>
+          <p:nvPr>
+            <p:ph type="sldNum" sz="quarter" idx="5"/>
+          </p:nvPr>
+        </p:nvSpPr>
+        <p:spPr/>
+        <p:txBody>
+          <a:bodyPr/>
+          <a:lstStyle/>
+          <a:p>
+            <a:fld id="{D1D071A9-4FC4-44F2-B648-9EAC8203B14B}" type="slidenum">
+              <a:rPr lang="en-US" smtClean="0"/>
+              <a:t>19</a:t>
+            </a:fld>
+            <a:endParaRPr lang="en-US"/>
+          </a:p>
+        </p:txBody>
+      </p:sp>
+    </p:spTree>
+    <p:extLst>
+      <p:ext uri="{BB962C8B-B14F-4D97-AF65-F5344CB8AC3E}">
+        <p14:creationId xmlns:p14="http://schemas.microsoft.com/office/powerpoint/2010/main" val="3365399122"/>
+      </p:ext>
+    </p:extLst>
+  </p:cSld>
+  <p:clrMapOvr>
+    <a:masterClrMapping/>
+  </p:clrMapOvr>
+</p:notes>
+</file>
+
+<file path=ppt/notesSlides/notesSlide19.xml><?xml version="1.0" encoding="utf-8"?>
+<p:notes xmlns:a="http://schemas.openxmlformats.org/drawingml/2006/main" xmlns:r="http://schemas.openxmlformats.org/officeDocument/2006/relationships" xmlns:p="http://schemas.openxmlformats.org/presentationml/2006/main">
+  <p:cSld>
+    <p:spTree>
+      <p:nvGrpSpPr>
+        <p:cNvPr id="1" name=""/>
+        <p:cNvGrpSpPr/>
+        <p:nvPr/>
+      </p:nvGrpSpPr>
+      <p:grpSpPr>
+        <a:xfrm>
+          <a:off x="0" y="0"/>
+          <a:ext cx="0" cy="0"/>
+          <a:chOff x="0" y="0"/>
+          <a:chExt cx="0" cy="0"/>
+        </a:xfrm>
+      </p:grpSpPr>
+      <p:sp>
+        <p:nvSpPr>
+          <p:cNvPr id="2" name="Slide Image Placeholder 1"/>
+          <p:cNvSpPr>
+            <a:spLocks noGrp="1" noRot="1" noChangeAspect="1"/>
+          </p:cNvSpPr>
+          <p:nvPr>
+            <p:ph type="sldImg"/>
+          </p:nvPr>
+        </p:nvSpPr>
+        <p:spPr/>
+      </p:sp>
+      <p:sp>
+        <p:nvSpPr>
+          <p:cNvPr id="3" name="Notes Placeholder 2"/>
+          <p:cNvSpPr>
+            <a:spLocks noGrp="1"/>
+          </p:cNvSpPr>
+          <p:nvPr>
+            <p:ph type="body" idx="1"/>
+          </p:nvPr>
+        </p:nvSpPr>
+        <p:spPr/>
+        <p:txBody>
+          <a:bodyPr/>
+          <a:lstStyle/>
+          <a:p>
+            <a:endParaRPr lang="en-US" dirty="0"/>
+          </a:p>
+        </p:txBody>
+      </p:sp>
+      <p:sp>
+        <p:nvSpPr>
+          <p:cNvPr id="4" name="Slide Number Placeholder 3"/>
+          <p:cNvSpPr>
+            <a:spLocks noGrp="1"/>
+          </p:cNvSpPr>
+          <p:nvPr>
+            <p:ph type="sldNum" sz="quarter" idx="5"/>
+          </p:nvPr>
+        </p:nvSpPr>
+        <p:spPr/>
+        <p:txBody>
+          <a:bodyPr/>
+          <a:lstStyle/>
+          <a:p>
+            <a:fld id="{D1D071A9-4FC4-44F2-B648-9EAC8203B14B}" type="slidenum">
+              <a:rPr lang="en-US" smtClean="0"/>
+              <a:t>20</a:t>
+            </a:fld>
+            <a:endParaRPr lang="en-US"/>
+          </a:p>
+        </p:txBody>
+      </p:sp>
+    </p:spTree>
+    <p:extLst>
+      <p:ext uri="{BB962C8B-B14F-4D97-AF65-F5344CB8AC3E}">
+        <p14:creationId xmlns:p14="http://schemas.microsoft.com/office/powerpoint/2010/main" val="2783705622"/>
       </p:ext>
     </p:extLst>
   </p:cSld>
@@ -1180,6 +1532,510 @@
 </p:notes>
 </file>
 
+<file path=ppt/notesSlides/notesSlide20.xml><?xml version="1.0" encoding="utf-8"?>
+<p:notes xmlns:a="http://schemas.openxmlformats.org/drawingml/2006/main" xmlns:r="http://schemas.openxmlformats.org/officeDocument/2006/relationships" xmlns:p="http://schemas.openxmlformats.org/presentationml/2006/main">
+  <p:cSld>
+    <p:spTree>
+      <p:nvGrpSpPr>
+        <p:cNvPr id="1" name=""/>
+        <p:cNvGrpSpPr/>
+        <p:nvPr/>
+      </p:nvGrpSpPr>
+      <p:grpSpPr>
+        <a:xfrm>
+          <a:off x="0" y="0"/>
+          <a:ext cx="0" cy="0"/>
+          <a:chOff x="0" y="0"/>
+          <a:chExt cx="0" cy="0"/>
+        </a:xfrm>
+      </p:grpSpPr>
+      <p:sp>
+        <p:nvSpPr>
+          <p:cNvPr id="2" name="Slide Image Placeholder 1"/>
+          <p:cNvSpPr>
+            <a:spLocks noGrp="1" noRot="1" noChangeAspect="1"/>
+          </p:cNvSpPr>
+          <p:nvPr>
+            <p:ph type="sldImg"/>
+          </p:nvPr>
+        </p:nvSpPr>
+        <p:spPr/>
+      </p:sp>
+      <p:sp>
+        <p:nvSpPr>
+          <p:cNvPr id="3" name="Notes Placeholder 2"/>
+          <p:cNvSpPr>
+            <a:spLocks noGrp="1"/>
+          </p:cNvSpPr>
+          <p:nvPr>
+            <p:ph type="body" idx="1"/>
+          </p:nvPr>
+        </p:nvSpPr>
+        <p:spPr/>
+        <p:txBody>
+          <a:bodyPr/>
+          <a:lstStyle/>
+          <a:p>
+            <a:endParaRPr lang="en-US" dirty="0"/>
+          </a:p>
+        </p:txBody>
+      </p:sp>
+      <p:sp>
+        <p:nvSpPr>
+          <p:cNvPr id="4" name="Slide Number Placeholder 3"/>
+          <p:cNvSpPr>
+            <a:spLocks noGrp="1"/>
+          </p:cNvSpPr>
+          <p:nvPr>
+            <p:ph type="sldNum" sz="quarter" idx="5"/>
+          </p:nvPr>
+        </p:nvSpPr>
+        <p:spPr/>
+        <p:txBody>
+          <a:bodyPr/>
+          <a:lstStyle/>
+          <a:p>
+            <a:fld id="{D1D071A9-4FC4-44F2-B648-9EAC8203B14B}" type="slidenum">
+              <a:rPr lang="en-US" smtClean="0"/>
+              <a:t>21</a:t>
+            </a:fld>
+            <a:endParaRPr lang="en-US"/>
+          </a:p>
+        </p:txBody>
+      </p:sp>
+    </p:spTree>
+    <p:extLst>
+      <p:ext uri="{BB962C8B-B14F-4D97-AF65-F5344CB8AC3E}">
+        <p14:creationId xmlns:p14="http://schemas.microsoft.com/office/powerpoint/2010/main" val="1648840868"/>
+      </p:ext>
+    </p:extLst>
+  </p:cSld>
+  <p:clrMapOvr>
+    <a:masterClrMapping/>
+  </p:clrMapOvr>
+</p:notes>
+</file>
+
+<file path=ppt/notesSlides/notesSlide21.xml><?xml version="1.0" encoding="utf-8"?>
+<p:notes xmlns:a="http://schemas.openxmlformats.org/drawingml/2006/main" xmlns:r="http://schemas.openxmlformats.org/officeDocument/2006/relationships" xmlns:p="http://schemas.openxmlformats.org/presentationml/2006/main">
+  <p:cSld>
+    <p:spTree>
+      <p:nvGrpSpPr>
+        <p:cNvPr id="1" name=""/>
+        <p:cNvGrpSpPr/>
+        <p:nvPr/>
+      </p:nvGrpSpPr>
+      <p:grpSpPr>
+        <a:xfrm>
+          <a:off x="0" y="0"/>
+          <a:ext cx="0" cy="0"/>
+          <a:chOff x="0" y="0"/>
+          <a:chExt cx="0" cy="0"/>
+        </a:xfrm>
+      </p:grpSpPr>
+      <p:sp>
+        <p:nvSpPr>
+          <p:cNvPr id="2" name="Slide Image Placeholder 1"/>
+          <p:cNvSpPr>
+            <a:spLocks noGrp="1" noRot="1" noChangeAspect="1"/>
+          </p:cNvSpPr>
+          <p:nvPr>
+            <p:ph type="sldImg"/>
+          </p:nvPr>
+        </p:nvSpPr>
+        <p:spPr/>
+      </p:sp>
+      <p:sp>
+        <p:nvSpPr>
+          <p:cNvPr id="3" name="Notes Placeholder 2"/>
+          <p:cNvSpPr>
+            <a:spLocks noGrp="1"/>
+          </p:cNvSpPr>
+          <p:nvPr>
+            <p:ph type="body" idx="1"/>
+          </p:nvPr>
+        </p:nvSpPr>
+        <p:spPr/>
+        <p:txBody>
+          <a:bodyPr/>
+          <a:lstStyle/>
+          <a:p>
+            <a:endParaRPr lang="en-US" dirty="0"/>
+          </a:p>
+        </p:txBody>
+      </p:sp>
+      <p:sp>
+        <p:nvSpPr>
+          <p:cNvPr id="4" name="Slide Number Placeholder 3"/>
+          <p:cNvSpPr>
+            <a:spLocks noGrp="1"/>
+          </p:cNvSpPr>
+          <p:nvPr>
+            <p:ph type="sldNum" sz="quarter" idx="5"/>
+          </p:nvPr>
+        </p:nvSpPr>
+        <p:spPr/>
+        <p:txBody>
+          <a:bodyPr/>
+          <a:lstStyle/>
+          <a:p>
+            <a:fld id="{D1D071A9-4FC4-44F2-B648-9EAC8203B14B}" type="slidenum">
+              <a:rPr lang="en-US" smtClean="0"/>
+              <a:t>22</a:t>
+            </a:fld>
+            <a:endParaRPr lang="en-US"/>
+          </a:p>
+        </p:txBody>
+      </p:sp>
+    </p:spTree>
+    <p:extLst>
+      <p:ext uri="{BB962C8B-B14F-4D97-AF65-F5344CB8AC3E}">
+        <p14:creationId xmlns:p14="http://schemas.microsoft.com/office/powerpoint/2010/main" val="4212824423"/>
+      </p:ext>
+    </p:extLst>
+  </p:cSld>
+  <p:clrMapOvr>
+    <a:masterClrMapping/>
+  </p:clrMapOvr>
+</p:notes>
+</file>
+
+<file path=ppt/notesSlides/notesSlide22.xml><?xml version="1.0" encoding="utf-8"?>
+<p:notes xmlns:a="http://schemas.openxmlformats.org/drawingml/2006/main" xmlns:r="http://schemas.openxmlformats.org/officeDocument/2006/relationships" xmlns:p="http://schemas.openxmlformats.org/presentationml/2006/main">
+  <p:cSld>
+    <p:spTree>
+      <p:nvGrpSpPr>
+        <p:cNvPr id="1" name=""/>
+        <p:cNvGrpSpPr/>
+        <p:nvPr/>
+      </p:nvGrpSpPr>
+      <p:grpSpPr>
+        <a:xfrm>
+          <a:off x="0" y="0"/>
+          <a:ext cx="0" cy="0"/>
+          <a:chOff x="0" y="0"/>
+          <a:chExt cx="0" cy="0"/>
+        </a:xfrm>
+      </p:grpSpPr>
+      <p:sp>
+        <p:nvSpPr>
+          <p:cNvPr id="2" name="Slide Image Placeholder 1"/>
+          <p:cNvSpPr>
+            <a:spLocks noGrp="1" noRot="1" noChangeAspect="1"/>
+          </p:cNvSpPr>
+          <p:nvPr>
+            <p:ph type="sldImg"/>
+          </p:nvPr>
+        </p:nvSpPr>
+        <p:spPr/>
+      </p:sp>
+      <p:sp>
+        <p:nvSpPr>
+          <p:cNvPr id="3" name="Notes Placeholder 2"/>
+          <p:cNvSpPr>
+            <a:spLocks noGrp="1"/>
+          </p:cNvSpPr>
+          <p:nvPr>
+            <p:ph type="body" idx="1"/>
+          </p:nvPr>
+        </p:nvSpPr>
+        <p:spPr/>
+        <p:txBody>
+          <a:bodyPr/>
+          <a:lstStyle/>
+          <a:p>
+            <a:endParaRPr lang="en-US" dirty="0"/>
+          </a:p>
+        </p:txBody>
+      </p:sp>
+      <p:sp>
+        <p:nvSpPr>
+          <p:cNvPr id="4" name="Slide Number Placeholder 3"/>
+          <p:cNvSpPr>
+            <a:spLocks noGrp="1"/>
+          </p:cNvSpPr>
+          <p:nvPr>
+            <p:ph type="sldNum" sz="quarter" idx="5"/>
+          </p:nvPr>
+        </p:nvSpPr>
+        <p:spPr/>
+        <p:txBody>
+          <a:bodyPr/>
+          <a:lstStyle/>
+          <a:p>
+            <a:fld id="{D1D071A9-4FC4-44F2-B648-9EAC8203B14B}" type="slidenum">
+              <a:rPr lang="en-US" smtClean="0"/>
+              <a:t>23</a:t>
+            </a:fld>
+            <a:endParaRPr lang="en-US"/>
+          </a:p>
+        </p:txBody>
+      </p:sp>
+    </p:spTree>
+    <p:extLst>
+      <p:ext uri="{BB962C8B-B14F-4D97-AF65-F5344CB8AC3E}">
+        <p14:creationId xmlns:p14="http://schemas.microsoft.com/office/powerpoint/2010/main" val="3406506963"/>
+      </p:ext>
+    </p:extLst>
+  </p:cSld>
+  <p:clrMapOvr>
+    <a:masterClrMapping/>
+  </p:clrMapOvr>
+</p:notes>
+</file>
+
+<file path=ppt/notesSlides/notesSlide23.xml><?xml version="1.0" encoding="utf-8"?>
+<p:notes xmlns:a="http://schemas.openxmlformats.org/drawingml/2006/main" xmlns:r="http://schemas.openxmlformats.org/officeDocument/2006/relationships" xmlns:p="http://schemas.openxmlformats.org/presentationml/2006/main">
+  <p:cSld>
+    <p:spTree>
+      <p:nvGrpSpPr>
+        <p:cNvPr id="1" name=""/>
+        <p:cNvGrpSpPr/>
+        <p:nvPr/>
+      </p:nvGrpSpPr>
+      <p:grpSpPr>
+        <a:xfrm>
+          <a:off x="0" y="0"/>
+          <a:ext cx="0" cy="0"/>
+          <a:chOff x="0" y="0"/>
+          <a:chExt cx="0" cy="0"/>
+        </a:xfrm>
+      </p:grpSpPr>
+      <p:sp>
+        <p:nvSpPr>
+          <p:cNvPr id="2" name="Slide Image Placeholder 1"/>
+          <p:cNvSpPr>
+            <a:spLocks noGrp="1" noRot="1" noChangeAspect="1"/>
+          </p:cNvSpPr>
+          <p:nvPr>
+            <p:ph type="sldImg"/>
+          </p:nvPr>
+        </p:nvSpPr>
+        <p:spPr/>
+      </p:sp>
+      <p:sp>
+        <p:nvSpPr>
+          <p:cNvPr id="3" name="Notes Placeholder 2"/>
+          <p:cNvSpPr>
+            <a:spLocks noGrp="1"/>
+          </p:cNvSpPr>
+          <p:nvPr>
+            <p:ph type="body" idx="1"/>
+          </p:nvPr>
+        </p:nvSpPr>
+        <p:spPr/>
+        <p:txBody>
+          <a:bodyPr/>
+          <a:lstStyle/>
+          <a:p>
+            <a:endParaRPr lang="en-US" dirty="0"/>
+          </a:p>
+        </p:txBody>
+      </p:sp>
+      <p:sp>
+        <p:nvSpPr>
+          <p:cNvPr id="4" name="Slide Number Placeholder 3"/>
+          <p:cNvSpPr>
+            <a:spLocks noGrp="1"/>
+          </p:cNvSpPr>
+          <p:nvPr>
+            <p:ph type="sldNum" sz="quarter" idx="5"/>
+          </p:nvPr>
+        </p:nvSpPr>
+        <p:spPr/>
+        <p:txBody>
+          <a:bodyPr/>
+          <a:lstStyle/>
+          <a:p>
+            <a:fld id="{D1D071A9-4FC4-44F2-B648-9EAC8203B14B}" type="slidenum">
+              <a:rPr lang="en-US" smtClean="0"/>
+              <a:t>24</a:t>
+            </a:fld>
+            <a:endParaRPr lang="en-US"/>
+          </a:p>
+        </p:txBody>
+      </p:sp>
+    </p:spTree>
+    <p:extLst>
+      <p:ext uri="{BB962C8B-B14F-4D97-AF65-F5344CB8AC3E}">
+        <p14:creationId xmlns:p14="http://schemas.microsoft.com/office/powerpoint/2010/main" val="4040250406"/>
+      </p:ext>
+    </p:extLst>
+  </p:cSld>
+  <p:clrMapOvr>
+    <a:masterClrMapping/>
+  </p:clrMapOvr>
+</p:notes>
+</file>
+
+<file path=ppt/notesSlides/notesSlide24.xml><?xml version="1.0" encoding="utf-8"?>
+<p:notes xmlns:a="http://schemas.openxmlformats.org/drawingml/2006/main" xmlns:r="http://schemas.openxmlformats.org/officeDocument/2006/relationships" xmlns:p="http://schemas.openxmlformats.org/presentationml/2006/main">
+  <p:cSld>
+    <p:spTree>
+      <p:nvGrpSpPr>
+        <p:cNvPr id="1" name=""/>
+        <p:cNvGrpSpPr/>
+        <p:nvPr/>
+      </p:nvGrpSpPr>
+      <p:grpSpPr>
+        <a:xfrm>
+          <a:off x="0" y="0"/>
+          <a:ext cx="0" cy="0"/>
+          <a:chOff x="0" y="0"/>
+          <a:chExt cx="0" cy="0"/>
+        </a:xfrm>
+      </p:grpSpPr>
+      <p:sp>
+        <p:nvSpPr>
+          <p:cNvPr id="2" name="Slide Image Placeholder 1"/>
+          <p:cNvSpPr>
+            <a:spLocks noGrp="1" noRot="1" noChangeAspect="1"/>
+          </p:cNvSpPr>
+          <p:nvPr>
+            <p:ph type="sldImg"/>
+          </p:nvPr>
+        </p:nvSpPr>
+        <p:spPr/>
+      </p:sp>
+      <p:sp>
+        <p:nvSpPr>
+          <p:cNvPr id="3" name="Notes Placeholder 2"/>
+          <p:cNvSpPr>
+            <a:spLocks noGrp="1"/>
+          </p:cNvSpPr>
+          <p:nvPr>
+            <p:ph type="body" idx="1"/>
+          </p:nvPr>
+        </p:nvSpPr>
+        <p:spPr/>
+        <p:txBody>
+          <a:bodyPr/>
+          <a:lstStyle/>
+          <a:p>
+            <a:endParaRPr lang="en-US" dirty="0"/>
+          </a:p>
+        </p:txBody>
+      </p:sp>
+      <p:sp>
+        <p:nvSpPr>
+          <p:cNvPr id="4" name="Slide Number Placeholder 3"/>
+          <p:cNvSpPr>
+            <a:spLocks noGrp="1"/>
+          </p:cNvSpPr>
+          <p:nvPr>
+            <p:ph type="sldNum" sz="quarter" idx="5"/>
+          </p:nvPr>
+        </p:nvSpPr>
+        <p:spPr/>
+        <p:txBody>
+          <a:bodyPr/>
+          <a:lstStyle/>
+          <a:p>
+            <a:fld id="{D1D071A9-4FC4-44F2-B648-9EAC8203B14B}" type="slidenum">
+              <a:rPr lang="en-US" smtClean="0"/>
+              <a:t>25</a:t>
+            </a:fld>
+            <a:endParaRPr lang="en-US"/>
+          </a:p>
+        </p:txBody>
+      </p:sp>
+    </p:spTree>
+    <p:extLst>
+      <p:ext uri="{BB962C8B-B14F-4D97-AF65-F5344CB8AC3E}">
+        <p14:creationId xmlns:p14="http://schemas.microsoft.com/office/powerpoint/2010/main" val="1286014737"/>
+      </p:ext>
+    </p:extLst>
+  </p:cSld>
+  <p:clrMapOvr>
+    <a:masterClrMapping/>
+  </p:clrMapOvr>
+</p:notes>
+</file>
+
+<file path=ppt/notesSlides/notesSlide25.xml><?xml version="1.0" encoding="utf-8"?>
+<p:notes xmlns:a="http://schemas.openxmlformats.org/drawingml/2006/main" xmlns:r="http://schemas.openxmlformats.org/officeDocument/2006/relationships" xmlns:p="http://schemas.openxmlformats.org/presentationml/2006/main">
+  <p:cSld>
+    <p:spTree>
+      <p:nvGrpSpPr>
+        <p:cNvPr id="1" name=""/>
+        <p:cNvGrpSpPr/>
+        <p:nvPr/>
+      </p:nvGrpSpPr>
+      <p:grpSpPr>
+        <a:xfrm>
+          <a:off x="0" y="0"/>
+          <a:ext cx="0" cy="0"/>
+          <a:chOff x="0" y="0"/>
+          <a:chExt cx="0" cy="0"/>
+        </a:xfrm>
+      </p:grpSpPr>
+      <p:sp>
+        <p:nvSpPr>
+          <p:cNvPr id="2" name="Slide Image Placeholder 1"/>
+          <p:cNvSpPr>
+            <a:spLocks noGrp="1" noRot="1" noChangeAspect="1"/>
+          </p:cNvSpPr>
+          <p:nvPr>
+            <p:ph type="sldImg"/>
+          </p:nvPr>
+        </p:nvSpPr>
+        <p:spPr/>
+      </p:sp>
+      <p:sp>
+        <p:nvSpPr>
+          <p:cNvPr id="3" name="Notes Placeholder 2"/>
+          <p:cNvSpPr>
+            <a:spLocks noGrp="1"/>
+          </p:cNvSpPr>
+          <p:nvPr>
+            <p:ph type="body" idx="1"/>
+          </p:nvPr>
+        </p:nvSpPr>
+        <p:spPr/>
+        <p:txBody>
+          <a:bodyPr/>
+          <a:lstStyle/>
+          <a:p>
+            <a:endParaRPr lang="en-US" dirty="0"/>
+          </a:p>
+        </p:txBody>
+      </p:sp>
+      <p:sp>
+        <p:nvSpPr>
+          <p:cNvPr id="4" name="Slide Number Placeholder 3"/>
+          <p:cNvSpPr>
+            <a:spLocks noGrp="1"/>
+          </p:cNvSpPr>
+          <p:nvPr>
+            <p:ph type="sldNum" sz="quarter" idx="5"/>
+          </p:nvPr>
+        </p:nvSpPr>
+        <p:spPr/>
+        <p:txBody>
+          <a:bodyPr/>
+          <a:lstStyle/>
+          <a:p>
+            <a:fld id="{D1D071A9-4FC4-44F2-B648-9EAC8203B14B}" type="slidenum">
+              <a:rPr lang="en-US" smtClean="0"/>
+              <a:t>26</a:t>
+            </a:fld>
+            <a:endParaRPr lang="en-US"/>
+          </a:p>
+        </p:txBody>
+      </p:sp>
+    </p:spTree>
+    <p:extLst>
+      <p:ext uri="{BB962C8B-B14F-4D97-AF65-F5344CB8AC3E}">
+        <p14:creationId xmlns:p14="http://schemas.microsoft.com/office/powerpoint/2010/main" val="2052660032"/>
+      </p:ext>
+    </p:extLst>
+  </p:cSld>
+  <p:clrMapOvr>
+    <a:masterClrMapping/>
+  </p:clrMapOvr>
+</p:notes>
+</file>
+
 <file path=ppt/notesSlides/notesSlide3.xml><?xml version="1.0" encoding="utf-8"?>
 <p:notes xmlns:a="http://schemas.openxmlformats.org/drawingml/2006/main" xmlns:r="http://schemas.openxmlformats.org/officeDocument/2006/relationships" xmlns:p="http://schemas.openxmlformats.org/presentationml/2006/main">
   <p:cSld>
@@ -1245,7 +2101,7 @@
           <a:p>
             <a:fld id="{D1D071A9-4FC4-44F2-B648-9EAC8203B14B}" type="slidenum">
               <a:rPr lang="en-US" smtClean="0"/>
-              <a:t>6</a:t>
+              <a:t>3</a:t>
             </a:fld>
             <a:endParaRPr lang="en-US"/>
           </a:p>
@@ -1254,7 +2110,7 @@
     </p:spTree>
     <p:extLst>
       <p:ext uri="{BB962C8B-B14F-4D97-AF65-F5344CB8AC3E}">
-        <p14:creationId xmlns:p14="http://schemas.microsoft.com/office/powerpoint/2010/main" val="1189472258"/>
+        <p14:creationId xmlns:p14="http://schemas.microsoft.com/office/powerpoint/2010/main" val="2251711129"/>
       </p:ext>
     </p:extLst>
   </p:cSld>
@@ -1329,7 +2185,7 @@
           <a:p>
             <a:fld id="{D1D071A9-4FC4-44F2-B648-9EAC8203B14B}" type="slidenum">
               <a:rPr lang="en-US" smtClean="0"/>
-              <a:t>7</a:t>
+              <a:t>4</a:t>
             </a:fld>
             <a:endParaRPr lang="en-US"/>
           </a:p>
@@ -1338,7 +2194,7 @@
     </p:spTree>
     <p:extLst>
       <p:ext uri="{BB962C8B-B14F-4D97-AF65-F5344CB8AC3E}">
-        <p14:creationId xmlns:p14="http://schemas.microsoft.com/office/powerpoint/2010/main" val="979450995"/>
+        <p14:creationId xmlns:p14="http://schemas.microsoft.com/office/powerpoint/2010/main" val="1676250905"/>
       </p:ext>
     </p:extLst>
   </p:cSld>
@@ -1413,7 +2269,7 @@
           <a:p>
             <a:fld id="{D1D071A9-4FC4-44F2-B648-9EAC8203B14B}" type="slidenum">
               <a:rPr lang="en-US" smtClean="0"/>
-              <a:t>8</a:t>
+              <a:t>6</a:t>
             </a:fld>
             <a:endParaRPr lang="en-US"/>
           </a:p>
@@ -1422,7 +2278,7 @@
     </p:spTree>
     <p:extLst>
       <p:ext uri="{BB962C8B-B14F-4D97-AF65-F5344CB8AC3E}">
-        <p14:creationId xmlns:p14="http://schemas.microsoft.com/office/powerpoint/2010/main" val="3885258193"/>
+        <p14:creationId xmlns:p14="http://schemas.microsoft.com/office/powerpoint/2010/main" val="1189472258"/>
       </p:ext>
     </p:extLst>
   </p:cSld>
@@ -1497,7 +2353,7 @@
           <a:p>
             <a:fld id="{D1D071A9-4FC4-44F2-B648-9EAC8203B14B}" type="slidenum">
               <a:rPr lang="en-US" smtClean="0"/>
-              <a:t>9</a:t>
+              <a:t>7</a:t>
             </a:fld>
             <a:endParaRPr lang="en-US"/>
           </a:p>
@@ -1506,7 +2362,7 @@
     </p:spTree>
     <p:extLst>
       <p:ext uri="{BB962C8B-B14F-4D97-AF65-F5344CB8AC3E}">
-        <p14:creationId xmlns:p14="http://schemas.microsoft.com/office/powerpoint/2010/main" val="3264107392"/>
+        <p14:creationId xmlns:p14="http://schemas.microsoft.com/office/powerpoint/2010/main" val="979450995"/>
       </p:ext>
     </p:extLst>
   </p:cSld>
@@ -1581,7 +2437,7 @@
           <a:p>
             <a:fld id="{D1D071A9-4FC4-44F2-B648-9EAC8203B14B}" type="slidenum">
               <a:rPr lang="en-US" smtClean="0"/>
-              <a:t>10</a:t>
+              <a:t>8</a:t>
             </a:fld>
             <a:endParaRPr lang="en-US"/>
           </a:p>
@@ -1590,7 +2446,7 @@
     </p:spTree>
     <p:extLst>
       <p:ext uri="{BB962C8B-B14F-4D97-AF65-F5344CB8AC3E}">
-        <p14:creationId xmlns:p14="http://schemas.microsoft.com/office/powerpoint/2010/main" val="2491168707"/>
+        <p14:creationId xmlns:p14="http://schemas.microsoft.com/office/powerpoint/2010/main" val="3885258193"/>
       </p:ext>
     </p:extLst>
   </p:cSld>
@@ -1665,7 +2521,7 @@
           <a:p>
             <a:fld id="{D1D071A9-4FC4-44F2-B648-9EAC8203B14B}" type="slidenum">
               <a:rPr lang="en-US" smtClean="0"/>
-              <a:t>11</a:t>
+              <a:t>9</a:t>
             </a:fld>
             <a:endParaRPr lang="en-US"/>
           </a:p>
@@ -1674,7 +2530,7 @@
     </p:spTree>
     <p:extLst>
       <p:ext uri="{BB962C8B-B14F-4D97-AF65-F5344CB8AC3E}">
-        <p14:creationId xmlns:p14="http://schemas.microsoft.com/office/powerpoint/2010/main" val="2109714622"/>
+        <p14:creationId xmlns:p14="http://schemas.microsoft.com/office/powerpoint/2010/main" val="3264107392"/>
       </p:ext>
     </p:extLst>
   </p:cSld>
@@ -1749,7 +2605,7 @@
           <a:p>
             <a:fld id="{D1D071A9-4FC4-44F2-B648-9EAC8203B14B}" type="slidenum">
               <a:rPr lang="en-US" smtClean="0"/>
-              <a:t>12</a:t>
+              <a:t>10</a:t>
             </a:fld>
             <a:endParaRPr lang="en-US"/>
           </a:p>
@@ -1758,7 +2614,7 @@
     </p:spTree>
     <p:extLst>
       <p:ext uri="{BB962C8B-B14F-4D97-AF65-F5344CB8AC3E}">
-        <p14:creationId xmlns:p14="http://schemas.microsoft.com/office/powerpoint/2010/main" val="4158569635"/>
+        <p14:creationId xmlns:p14="http://schemas.microsoft.com/office/powerpoint/2010/main" val="2491168707"/>
       </p:ext>
     </p:extLst>
   </p:cSld>
@@ -7019,10 +7875,10 @@
       </p:grpSpPr>
       <p:pic>
         <p:nvPicPr>
-          <p:cNvPr id="4" name="Picture 3" descr="Chart&#10;&#10;Description automatically generated">
+          <p:cNvPr id="6" name="Picture 5" descr="Chart, line chart&#10;&#10;Description automatically generated">
             <a:extLst>
               <a:ext uri="{FF2B5EF4-FFF2-40B4-BE49-F238E27FC236}">
-                <a16:creationId xmlns:a16="http://schemas.microsoft.com/office/drawing/2014/main" id="{48BF2EFB-20CD-4CC0-A25B-F9A4A00699EF}"/>
+                <a16:creationId xmlns:a16="http://schemas.microsoft.com/office/drawing/2014/main" id="{C9FF8A84-45D3-49A4-9DB6-11BDABB002EC}"/>
               </a:ext>
             </a:extLst>
           </p:cNvPr>
@@ -7056,7 +7912,7 @@
     </p:spTree>
     <p:extLst>
       <p:ext uri="{BB962C8B-B14F-4D97-AF65-F5344CB8AC3E}">
-        <p14:creationId xmlns:p14="http://schemas.microsoft.com/office/powerpoint/2010/main" val="1002519857"/>
+        <p14:creationId xmlns:p14="http://schemas.microsoft.com/office/powerpoint/2010/main" val="1716110730"/>
       </p:ext>
     </p:extLst>
   </p:cSld>
@@ -7088,7 +7944,7 @@
           <p:cNvPr id="3" name="Picture 2" descr="Chart, line chart&#10;&#10;Description automatically generated">
             <a:extLst>
               <a:ext uri="{FF2B5EF4-FFF2-40B4-BE49-F238E27FC236}">
-                <a16:creationId xmlns:a16="http://schemas.microsoft.com/office/drawing/2014/main" id="{78CB4F3C-3EAD-4971-9536-2A8B099616B3}"/>
+                <a16:creationId xmlns:a16="http://schemas.microsoft.com/office/drawing/2014/main" id="{2C034225-012F-4794-9A7B-B01F0A3A286B}"/>
               </a:ext>
             </a:extLst>
           </p:cNvPr>
@@ -7122,7 +7978,73 @@
     </p:spTree>
     <p:extLst>
       <p:ext uri="{BB962C8B-B14F-4D97-AF65-F5344CB8AC3E}">
-        <p14:creationId xmlns:p14="http://schemas.microsoft.com/office/powerpoint/2010/main" val="4025531284"/>
+        <p14:creationId xmlns:p14="http://schemas.microsoft.com/office/powerpoint/2010/main" val="403112262"/>
+      </p:ext>
+    </p:extLst>
+  </p:cSld>
+  <p:clrMapOvr>
+    <a:masterClrMapping/>
+  </p:clrMapOvr>
+</p:sld>
+</file>
+
+<file path=ppt/slides/slide19.xml><?xml version="1.0" encoding="utf-8"?>
+<p:sld xmlns:a="http://schemas.openxmlformats.org/drawingml/2006/main" xmlns:r="http://schemas.openxmlformats.org/officeDocument/2006/relationships" xmlns:p="http://schemas.openxmlformats.org/presentationml/2006/main">
+  <p:cSld>
+    <p:spTree>
+      <p:nvGrpSpPr>
+        <p:cNvPr id="1" name=""/>
+        <p:cNvGrpSpPr/>
+        <p:nvPr/>
+      </p:nvGrpSpPr>
+      <p:grpSpPr>
+        <a:xfrm>
+          <a:off x="0" y="0"/>
+          <a:ext cx="0" cy="0"/>
+          <a:chOff x="0" y="0"/>
+          <a:chExt cx="0" cy="0"/>
+        </a:xfrm>
+      </p:grpSpPr>
+      <p:pic>
+        <p:nvPicPr>
+          <p:cNvPr id="3" name="Picture 2" descr="Chart, line chart&#10;&#10;Description automatically generated">
+            <a:extLst>
+              <a:ext uri="{FF2B5EF4-FFF2-40B4-BE49-F238E27FC236}">
+                <a16:creationId xmlns:a16="http://schemas.microsoft.com/office/drawing/2014/main" id="{D5C919BA-BB00-41ED-99E3-415B9C124FE8}"/>
+              </a:ext>
+            </a:extLst>
+          </p:cNvPr>
+          <p:cNvPicPr>
+            <a:picLocks noChangeAspect="1"/>
+          </p:cNvPicPr>
+          <p:nvPr/>
+        </p:nvPicPr>
+        <p:blipFill>
+          <a:blip r:embed="rId3">
+            <a:extLst>
+              <a:ext uri="{28A0092B-C50C-407E-A947-70E740481C1C}">
+                <a14:useLocalDpi xmlns:a14="http://schemas.microsoft.com/office/drawing/2010/main" val="0"/>
+              </a:ext>
+            </a:extLst>
+          </a:blip>
+          <a:stretch>
+            <a:fillRect/>
+          </a:stretch>
+        </p:blipFill>
+        <p:spPr>
+          <a:xfrm>
+            <a:off x="0" y="397"/>
+            <a:ext cx="5851525" cy="4388644"/>
+          </a:xfrm>
+          <a:prstGeom prst="rect">
+            <a:avLst/>
+          </a:prstGeom>
+        </p:spPr>
+      </p:pic>
+    </p:spTree>
+    <p:extLst>
+      <p:ext uri="{BB962C8B-B14F-4D97-AF65-F5344CB8AC3E}">
+        <p14:creationId xmlns:p14="http://schemas.microsoft.com/office/powerpoint/2010/main" val="3494022003"/>
       </p:ext>
     </p:extLst>
   </p:cSld>
@@ -7396,6 +8318,468 @@
 </p:sld>
 </file>
 
+<file path=ppt/slides/slide20.xml><?xml version="1.0" encoding="utf-8"?>
+<p:sld xmlns:a="http://schemas.openxmlformats.org/drawingml/2006/main" xmlns:r="http://schemas.openxmlformats.org/officeDocument/2006/relationships" xmlns:p="http://schemas.openxmlformats.org/presentationml/2006/main">
+  <p:cSld>
+    <p:spTree>
+      <p:nvGrpSpPr>
+        <p:cNvPr id="1" name=""/>
+        <p:cNvGrpSpPr/>
+        <p:nvPr/>
+      </p:nvGrpSpPr>
+      <p:grpSpPr>
+        <a:xfrm>
+          <a:off x="0" y="0"/>
+          <a:ext cx="0" cy="0"/>
+          <a:chOff x="0" y="0"/>
+          <a:chExt cx="0" cy="0"/>
+        </a:xfrm>
+      </p:grpSpPr>
+      <p:pic>
+        <p:nvPicPr>
+          <p:cNvPr id="3" name="Picture 2" descr="Chart, line chart&#10;&#10;Description automatically generated">
+            <a:extLst>
+              <a:ext uri="{FF2B5EF4-FFF2-40B4-BE49-F238E27FC236}">
+                <a16:creationId xmlns:a16="http://schemas.microsoft.com/office/drawing/2014/main" id="{21CE126E-0907-4C27-8C27-54D3AF3212F6}"/>
+              </a:ext>
+            </a:extLst>
+          </p:cNvPr>
+          <p:cNvPicPr>
+            <a:picLocks noChangeAspect="1"/>
+          </p:cNvPicPr>
+          <p:nvPr/>
+        </p:nvPicPr>
+        <p:blipFill>
+          <a:blip r:embed="rId3">
+            <a:extLst>
+              <a:ext uri="{28A0092B-C50C-407E-A947-70E740481C1C}">
+                <a14:useLocalDpi xmlns:a14="http://schemas.microsoft.com/office/drawing/2010/main" val="0"/>
+              </a:ext>
+            </a:extLst>
+          </a:blip>
+          <a:stretch>
+            <a:fillRect/>
+          </a:stretch>
+        </p:blipFill>
+        <p:spPr>
+          <a:xfrm>
+            <a:off x="0" y="397"/>
+            <a:ext cx="5851525" cy="4388644"/>
+          </a:xfrm>
+          <a:prstGeom prst="rect">
+            <a:avLst/>
+          </a:prstGeom>
+        </p:spPr>
+      </p:pic>
+    </p:spTree>
+    <p:extLst>
+      <p:ext uri="{BB962C8B-B14F-4D97-AF65-F5344CB8AC3E}">
+        <p14:creationId xmlns:p14="http://schemas.microsoft.com/office/powerpoint/2010/main" val="3111336811"/>
+      </p:ext>
+    </p:extLst>
+  </p:cSld>
+  <p:clrMapOvr>
+    <a:masterClrMapping/>
+  </p:clrMapOvr>
+</p:sld>
+</file>
+
+<file path=ppt/slides/slide21.xml><?xml version="1.0" encoding="utf-8"?>
+<p:sld xmlns:a="http://schemas.openxmlformats.org/drawingml/2006/main" xmlns:r="http://schemas.openxmlformats.org/officeDocument/2006/relationships" xmlns:p="http://schemas.openxmlformats.org/presentationml/2006/main">
+  <p:cSld>
+    <p:spTree>
+      <p:nvGrpSpPr>
+        <p:cNvPr id="1" name=""/>
+        <p:cNvGrpSpPr/>
+        <p:nvPr/>
+      </p:nvGrpSpPr>
+      <p:grpSpPr>
+        <a:xfrm>
+          <a:off x="0" y="0"/>
+          <a:ext cx="0" cy="0"/>
+          <a:chOff x="0" y="0"/>
+          <a:chExt cx="0" cy="0"/>
+        </a:xfrm>
+      </p:grpSpPr>
+      <p:pic>
+        <p:nvPicPr>
+          <p:cNvPr id="3" name="Picture 2" descr="Chart, line chart&#10;&#10;Description automatically generated">
+            <a:extLst>
+              <a:ext uri="{FF2B5EF4-FFF2-40B4-BE49-F238E27FC236}">
+                <a16:creationId xmlns:a16="http://schemas.microsoft.com/office/drawing/2014/main" id="{B3D5CA02-CBAE-4CEA-A8DB-AA8D119931A3}"/>
+              </a:ext>
+            </a:extLst>
+          </p:cNvPr>
+          <p:cNvPicPr>
+            <a:picLocks noChangeAspect="1"/>
+          </p:cNvPicPr>
+          <p:nvPr/>
+        </p:nvPicPr>
+        <p:blipFill>
+          <a:blip r:embed="rId3">
+            <a:extLst>
+              <a:ext uri="{28A0092B-C50C-407E-A947-70E740481C1C}">
+                <a14:useLocalDpi xmlns:a14="http://schemas.microsoft.com/office/drawing/2010/main" val="0"/>
+              </a:ext>
+            </a:extLst>
+          </a:blip>
+          <a:stretch>
+            <a:fillRect/>
+          </a:stretch>
+        </p:blipFill>
+        <p:spPr>
+          <a:xfrm>
+            <a:off x="0" y="397"/>
+            <a:ext cx="5851525" cy="4388644"/>
+          </a:xfrm>
+          <a:prstGeom prst="rect">
+            <a:avLst/>
+          </a:prstGeom>
+        </p:spPr>
+      </p:pic>
+    </p:spTree>
+    <p:extLst>
+      <p:ext uri="{BB962C8B-B14F-4D97-AF65-F5344CB8AC3E}">
+        <p14:creationId xmlns:p14="http://schemas.microsoft.com/office/powerpoint/2010/main" val="3122395634"/>
+      </p:ext>
+    </p:extLst>
+  </p:cSld>
+  <p:clrMapOvr>
+    <a:masterClrMapping/>
+  </p:clrMapOvr>
+</p:sld>
+</file>
+
+<file path=ppt/slides/slide22.xml><?xml version="1.0" encoding="utf-8"?>
+<p:sld xmlns:a="http://schemas.openxmlformats.org/drawingml/2006/main" xmlns:r="http://schemas.openxmlformats.org/officeDocument/2006/relationships" xmlns:p="http://schemas.openxmlformats.org/presentationml/2006/main">
+  <p:cSld>
+    <p:spTree>
+      <p:nvGrpSpPr>
+        <p:cNvPr id="1" name=""/>
+        <p:cNvGrpSpPr/>
+        <p:nvPr/>
+      </p:nvGrpSpPr>
+      <p:grpSpPr>
+        <a:xfrm>
+          <a:off x="0" y="0"/>
+          <a:ext cx="0" cy="0"/>
+          <a:chOff x="0" y="0"/>
+          <a:chExt cx="0" cy="0"/>
+        </a:xfrm>
+      </p:grpSpPr>
+      <p:pic>
+        <p:nvPicPr>
+          <p:cNvPr id="3" name="Picture 2" descr="Chart, line chart&#10;&#10;Description automatically generated">
+            <a:extLst>
+              <a:ext uri="{FF2B5EF4-FFF2-40B4-BE49-F238E27FC236}">
+                <a16:creationId xmlns:a16="http://schemas.microsoft.com/office/drawing/2014/main" id="{EF5C443B-6BD9-47DC-83C5-1BC759CEE515}"/>
+              </a:ext>
+            </a:extLst>
+          </p:cNvPr>
+          <p:cNvPicPr>
+            <a:picLocks noChangeAspect="1"/>
+          </p:cNvPicPr>
+          <p:nvPr/>
+        </p:nvPicPr>
+        <p:blipFill>
+          <a:blip r:embed="rId3">
+            <a:extLst>
+              <a:ext uri="{28A0092B-C50C-407E-A947-70E740481C1C}">
+                <a14:useLocalDpi xmlns:a14="http://schemas.microsoft.com/office/drawing/2010/main" val="0"/>
+              </a:ext>
+            </a:extLst>
+          </a:blip>
+          <a:stretch>
+            <a:fillRect/>
+          </a:stretch>
+        </p:blipFill>
+        <p:spPr>
+          <a:xfrm>
+            <a:off x="0" y="397"/>
+            <a:ext cx="5851525" cy="4388644"/>
+          </a:xfrm>
+          <a:prstGeom prst="rect">
+            <a:avLst/>
+          </a:prstGeom>
+        </p:spPr>
+      </p:pic>
+    </p:spTree>
+    <p:extLst>
+      <p:ext uri="{BB962C8B-B14F-4D97-AF65-F5344CB8AC3E}">
+        <p14:creationId xmlns:p14="http://schemas.microsoft.com/office/powerpoint/2010/main" val="2602736844"/>
+      </p:ext>
+    </p:extLst>
+  </p:cSld>
+  <p:clrMapOvr>
+    <a:masterClrMapping/>
+  </p:clrMapOvr>
+</p:sld>
+</file>
+
+<file path=ppt/slides/slide23.xml><?xml version="1.0" encoding="utf-8"?>
+<p:sld xmlns:a="http://schemas.openxmlformats.org/drawingml/2006/main" xmlns:r="http://schemas.openxmlformats.org/officeDocument/2006/relationships" xmlns:p="http://schemas.openxmlformats.org/presentationml/2006/main">
+  <p:cSld>
+    <p:spTree>
+      <p:nvGrpSpPr>
+        <p:cNvPr id="1" name=""/>
+        <p:cNvGrpSpPr/>
+        <p:nvPr/>
+      </p:nvGrpSpPr>
+      <p:grpSpPr>
+        <a:xfrm>
+          <a:off x="0" y="0"/>
+          <a:ext cx="0" cy="0"/>
+          <a:chOff x="0" y="0"/>
+          <a:chExt cx="0" cy="0"/>
+        </a:xfrm>
+      </p:grpSpPr>
+      <p:pic>
+        <p:nvPicPr>
+          <p:cNvPr id="3" name="Picture 2" descr="Chart, line chart&#10;&#10;Description automatically generated">
+            <a:extLst>
+              <a:ext uri="{FF2B5EF4-FFF2-40B4-BE49-F238E27FC236}">
+                <a16:creationId xmlns:a16="http://schemas.microsoft.com/office/drawing/2014/main" id="{AA7AC999-5E8C-40EA-B6BA-95B888370867}"/>
+              </a:ext>
+            </a:extLst>
+          </p:cNvPr>
+          <p:cNvPicPr>
+            <a:picLocks noChangeAspect="1"/>
+          </p:cNvPicPr>
+          <p:nvPr/>
+        </p:nvPicPr>
+        <p:blipFill>
+          <a:blip r:embed="rId3">
+            <a:extLst>
+              <a:ext uri="{28A0092B-C50C-407E-A947-70E740481C1C}">
+                <a14:useLocalDpi xmlns:a14="http://schemas.microsoft.com/office/drawing/2010/main" val="0"/>
+              </a:ext>
+            </a:extLst>
+          </a:blip>
+          <a:stretch>
+            <a:fillRect/>
+          </a:stretch>
+        </p:blipFill>
+        <p:spPr>
+          <a:xfrm>
+            <a:off x="0" y="397"/>
+            <a:ext cx="5851525" cy="4388644"/>
+          </a:xfrm>
+          <a:prstGeom prst="rect">
+            <a:avLst/>
+          </a:prstGeom>
+        </p:spPr>
+      </p:pic>
+    </p:spTree>
+    <p:extLst>
+      <p:ext uri="{BB962C8B-B14F-4D97-AF65-F5344CB8AC3E}">
+        <p14:creationId xmlns:p14="http://schemas.microsoft.com/office/powerpoint/2010/main" val="2424904817"/>
+      </p:ext>
+    </p:extLst>
+  </p:cSld>
+  <p:clrMapOvr>
+    <a:masterClrMapping/>
+  </p:clrMapOvr>
+</p:sld>
+</file>
+
+<file path=ppt/slides/slide24.xml><?xml version="1.0" encoding="utf-8"?>
+<p:sld xmlns:a="http://schemas.openxmlformats.org/drawingml/2006/main" xmlns:r="http://schemas.openxmlformats.org/officeDocument/2006/relationships" xmlns:p="http://schemas.openxmlformats.org/presentationml/2006/main">
+  <p:cSld>
+    <p:spTree>
+      <p:nvGrpSpPr>
+        <p:cNvPr id="1" name=""/>
+        <p:cNvGrpSpPr/>
+        <p:nvPr/>
+      </p:nvGrpSpPr>
+      <p:grpSpPr>
+        <a:xfrm>
+          <a:off x="0" y="0"/>
+          <a:ext cx="0" cy="0"/>
+          <a:chOff x="0" y="0"/>
+          <a:chExt cx="0" cy="0"/>
+        </a:xfrm>
+      </p:grpSpPr>
+      <p:pic>
+        <p:nvPicPr>
+          <p:cNvPr id="3" name="Picture 2" descr="Chart, line chart&#10;&#10;Description automatically generated">
+            <a:extLst>
+              <a:ext uri="{FF2B5EF4-FFF2-40B4-BE49-F238E27FC236}">
+                <a16:creationId xmlns:a16="http://schemas.microsoft.com/office/drawing/2014/main" id="{36767D61-5D78-43E3-8F31-362F245AA8C9}"/>
+              </a:ext>
+            </a:extLst>
+          </p:cNvPr>
+          <p:cNvPicPr>
+            <a:picLocks noChangeAspect="1"/>
+          </p:cNvPicPr>
+          <p:nvPr/>
+        </p:nvPicPr>
+        <p:blipFill>
+          <a:blip r:embed="rId3">
+            <a:extLst>
+              <a:ext uri="{28A0092B-C50C-407E-A947-70E740481C1C}">
+                <a14:useLocalDpi xmlns:a14="http://schemas.microsoft.com/office/drawing/2010/main" val="0"/>
+              </a:ext>
+            </a:extLst>
+          </a:blip>
+          <a:stretch>
+            <a:fillRect/>
+          </a:stretch>
+        </p:blipFill>
+        <p:spPr>
+          <a:xfrm>
+            <a:off x="0" y="397"/>
+            <a:ext cx="5851525" cy="4388644"/>
+          </a:xfrm>
+          <a:prstGeom prst="rect">
+            <a:avLst/>
+          </a:prstGeom>
+        </p:spPr>
+      </p:pic>
+    </p:spTree>
+    <p:extLst>
+      <p:ext uri="{BB962C8B-B14F-4D97-AF65-F5344CB8AC3E}">
+        <p14:creationId xmlns:p14="http://schemas.microsoft.com/office/powerpoint/2010/main" val="683978099"/>
+      </p:ext>
+    </p:extLst>
+  </p:cSld>
+  <p:clrMapOvr>
+    <a:masterClrMapping/>
+  </p:clrMapOvr>
+</p:sld>
+</file>
+
+<file path=ppt/slides/slide25.xml><?xml version="1.0" encoding="utf-8"?>
+<p:sld xmlns:a="http://schemas.openxmlformats.org/drawingml/2006/main" xmlns:r="http://schemas.openxmlformats.org/officeDocument/2006/relationships" xmlns:p="http://schemas.openxmlformats.org/presentationml/2006/main">
+  <p:cSld>
+    <p:spTree>
+      <p:nvGrpSpPr>
+        <p:cNvPr id="1" name=""/>
+        <p:cNvGrpSpPr/>
+        <p:nvPr/>
+      </p:nvGrpSpPr>
+      <p:grpSpPr>
+        <a:xfrm>
+          <a:off x="0" y="0"/>
+          <a:ext cx="0" cy="0"/>
+          <a:chOff x="0" y="0"/>
+          <a:chExt cx="0" cy="0"/>
+        </a:xfrm>
+      </p:grpSpPr>
+      <p:pic>
+        <p:nvPicPr>
+          <p:cNvPr id="4" name="Picture 3" descr="Chart&#10;&#10;Description automatically generated">
+            <a:extLst>
+              <a:ext uri="{FF2B5EF4-FFF2-40B4-BE49-F238E27FC236}">
+                <a16:creationId xmlns:a16="http://schemas.microsoft.com/office/drawing/2014/main" id="{48BF2EFB-20CD-4CC0-A25B-F9A4A00699EF}"/>
+              </a:ext>
+            </a:extLst>
+          </p:cNvPr>
+          <p:cNvPicPr>
+            <a:picLocks noChangeAspect="1"/>
+          </p:cNvPicPr>
+          <p:nvPr/>
+        </p:nvPicPr>
+        <p:blipFill>
+          <a:blip r:embed="rId3">
+            <a:extLst>
+              <a:ext uri="{28A0092B-C50C-407E-A947-70E740481C1C}">
+                <a14:useLocalDpi xmlns:a14="http://schemas.microsoft.com/office/drawing/2010/main" val="0"/>
+              </a:ext>
+            </a:extLst>
+          </a:blip>
+          <a:stretch>
+            <a:fillRect/>
+          </a:stretch>
+        </p:blipFill>
+        <p:spPr>
+          <a:xfrm>
+            <a:off x="0" y="397"/>
+            <a:ext cx="5851525" cy="4388644"/>
+          </a:xfrm>
+          <a:prstGeom prst="rect">
+            <a:avLst/>
+          </a:prstGeom>
+        </p:spPr>
+      </p:pic>
+    </p:spTree>
+    <p:extLst>
+      <p:ext uri="{BB962C8B-B14F-4D97-AF65-F5344CB8AC3E}">
+        <p14:creationId xmlns:p14="http://schemas.microsoft.com/office/powerpoint/2010/main" val="1002519857"/>
+      </p:ext>
+    </p:extLst>
+  </p:cSld>
+  <p:clrMapOvr>
+    <a:masterClrMapping/>
+  </p:clrMapOvr>
+</p:sld>
+</file>
+
+<file path=ppt/slides/slide26.xml><?xml version="1.0" encoding="utf-8"?>
+<p:sld xmlns:a="http://schemas.openxmlformats.org/drawingml/2006/main" xmlns:r="http://schemas.openxmlformats.org/officeDocument/2006/relationships" xmlns:p="http://schemas.openxmlformats.org/presentationml/2006/main">
+  <p:cSld>
+    <p:spTree>
+      <p:nvGrpSpPr>
+        <p:cNvPr id="1" name=""/>
+        <p:cNvGrpSpPr/>
+        <p:nvPr/>
+      </p:nvGrpSpPr>
+      <p:grpSpPr>
+        <a:xfrm>
+          <a:off x="0" y="0"/>
+          <a:ext cx="0" cy="0"/>
+          <a:chOff x="0" y="0"/>
+          <a:chExt cx="0" cy="0"/>
+        </a:xfrm>
+      </p:grpSpPr>
+      <p:pic>
+        <p:nvPicPr>
+          <p:cNvPr id="3" name="Picture 2" descr="Chart, line chart&#10;&#10;Description automatically generated">
+            <a:extLst>
+              <a:ext uri="{FF2B5EF4-FFF2-40B4-BE49-F238E27FC236}">
+                <a16:creationId xmlns:a16="http://schemas.microsoft.com/office/drawing/2014/main" id="{78CB4F3C-3EAD-4971-9536-2A8B099616B3}"/>
+              </a:ext>
+            </a:extLst>
+          </p:cNvPr>
+          <p:cNvPicPr>
+            <a:picLocks noChangeAspect="1"/>
+          </p:cNvPicPr>
+          <p:nvPr/>
+        </p:nvPicPr>
+        <p:blipFill>
+          <a:blip r:embed="rId3">
+            <a:extLst>
+              <a:ext uri="{28A0092B-C50C-407E-A947-70E740481C1C}">
+                <a14:useLocalDpi xmlns:a14="http://schemas.microsoft.com/office/drawing/2010/main" val="0"/>
+              </a:ext>
+            </a:extLst>
+          </a:blip>
+          <a:stretch>
+            <a:fillRect/>
+          </a:stretch>
+        </p:blipFill>
+        <p:spPr>
+          <a:xfrm>
+            <a:off x="0" y="397"/>
+            <a:ext cx="5851525" cy="4388644"/>
+          </a:xfrm>
+          <a:prstGeom prst="rect">
+            <a:avLst/>
+          </a:prstGeom>
+        </p:spPr>
+      </p:pic>
+    </p:spTree>
+    <p:extLst>
+      <p:ext uri="{BB962C8B-B14F-4D97-AF65-F5344CB8AC3E}">
+        <p14:creationId xmlns:p14="http://schemas.microsoft.com/office/powerpoint/2010/main" val="4025531284"/>
+      </p:ext>
+    </p:extLst>
+  </p:cSld>
+  <p:clrMapOvr>
+    <a:masterClrMapping/>
+  </p:clrMapOvr>
+</p:sld>
+</file>
+
 <file path=ppt/slides/slide3.xml><?xml version="1.0" encoding="utf-8"?>
 <p:sld xmlns:a="http://schemas.openxmlformats.org/drawingml/2006/main" xmlns:r="http://schemas.openxmlformats.org/officeDocument/2006/relationships" xmlns:p="http://schemas.openxmlformats.org/presentationml/2006/main">
   <p:cSld>
@@ -7428,7 +8812,7 @@
           <p:nvPr/>
         </p:nvPicPr>
         <p:blipFill>
-          <a:blip r:embed="rId2">
+          <a:blip r:embed="rId3">
             <a:extLst>
               <a:ext uri="{28A0092B-C50C-407E-A947-70E740481C1C}">
                 <a14:useLocalDpi xmlns:a14="http://schemas.microsoft.com/office/drawing/2010/main" val="0"/>
@@ -7441,7 +8825,7 @@
         </p:blipFill>
         <p:spPr>
           <a:xfrm>
-            <a:off x="0" y="397"/>
+            <a:off x="-1" y="0"/>
             <a:ext cx="5851525" cy="4388644"/>
           </a:xfrm>
           <a:prstGeom prst="rect">
@@ -7449,6 +8833,156 @@
           </a:prstGeom>
         </p:spPr>
       </p:pic>
+      <p:sp>
+        <p:nvSpPr>
+          <p:cNvPr id="7" name="TextBox 6">
+            <a:extLst>
+              <a:ext uri="{FF2B5EF4-FFF2-40B4-BE49-F238E27FC236}">
+                <a16:creationId xmlns:a16="http://schemas.microsoft.com/office/drawing/2014/main" id="{8CA6CEB2-1C3D-41C6-96D6-9C2BE3B8E5D0}"/>
+              </a:ext>
+            </a:extLst>
+          </p:cNvPr>
+          <p:cNvSpPr txBox="1"/>
+          <p:nvPr/>
+        </p:nvSpPr>
+        <p:spPr>
+          <a:xfrm>
+            <a:off x="1671782" y="1899253"/>
+            <a:ext cx="3266139" cy="590931"/>
+          </a:xfrm>
+          <a:prstGeom prst="rect">
+            <a:avLst/>
+          </a:prstGeom>
+          <a:solidFill>
+            <a:schemeClr val="bg1"/>
+          </a:solidFill>
+          <a:ln>
+            <a:solidFill>
+              <a:schemeClr val="bg2">
+                <a:lumMod val="50000"/>
+              </a:schemeClr>
+            </a:solidFill>
+            <a:prstDash val="dash"/>
+          </a:ln>
+        </p:spPr>
+        <p:txBody>
+          <a:bodyPr wrap="square" lIns="18288" tIns="18288" rIns="18288" bIns="18288" rtlCol="0">
+            <a:spAutoFit/>
+          </a:bodyPr>
+          <a:lstStyle/>
+          <a:p>
+            <a:r>
+              <a:rPr lang="en-US" sz="1200" dirty="0">
+                <a:solidFill>
+                  <a:schemeClr val="bg2">
+                    <a:lumMod val="50000"/>
+                  </a:schemeClr>
+                </a:solidFill>
+              </a:rPr>
+              <a:t>The no-action policy is the same as the context policy. Therefore, Alt 0 sales are calibrated to be the same as the analysis context sales projections.</a:t>
+            </a:r>
+          </a:p>
+        </p:txBody>
+      </p:sp>
+      <p:cxnSp>
+        <p:nvCxnSpPr>
+          <p:cNvPr id="8" name="Straight Arrow Connector 7">
+            <a:extLst>
+              <a:ext uri="{FF2B5EF4-FFF2-40B4-BE49-F238E27FC236}">
+                <a16:creationId xmlns:a16="http://schemas.microsoft.com/office/drawing/2014/main" id="{A712608C-B8D6-4E65-A7E8-41FD53657AEA}"/>
+              </a:ext>
+            </a:extLst>
+          </p:cNvPr>
+          <p:cNvCxnSpPr>
+            <a:cxnSpLocks/>
+            <a:endCxn id="7" idx="0"/>
+          </p:cNvCxnSpPr>
+          <p:nvPr/>
+        </p:nvCxnSpPr>
+        <p:spPr>
+          <a:xfrm>
+            <a:off x="2743200" y="1182255"/>
+            <a:ext cx="561652" cy="716998"/>
+          </a:xfrm>
+          <a:prstGeom prst="straightConnector1">
+            <a:avLst/>
+          </a:prstGeom>
+          <a:ln w="12700">
+            <a:solidFill>
+              <a:schemeClr val="bg2">
+                <a:lumMod val="50000"/>
+              </a:schemeClr>
+            </a:solidFill>
+            <a:prstDash val="dash"/>
+            <a:tailEnd type="none"/>
+          </a:ln>
+        </p:spPr>
+        <p:style>
+          <a:lnRef idx="1">
+            <a:schemeClr val="accent1"/>
+          </a:lnRef>
+          <a:fillRef idx="0">
+            <a:schemeClr val="accent1"/>
+          </a:fillRef>
+          <a:effectRef idx="0">
+            <a:schemeClr val="accent1"/>
+          </a:effectRef>
+          <a:fontRef idx="minor">
+            <a:schemeClr val="tx1"/>
+          </a:fontRef>
+        </p:style>
+      </p:cxnSp>
+      <p:sp>
+        <p:nvSpPr>
+          <p:cNvPr id="14" name="TextBox 13">
+            <a:extLst>
+              <a:ext uri="{FF2B5EF4-FFF2-40B4-BE49-F238E27FC236}">
+                <a16:creationId xmlns:a16="http://schemas.microsoft.com/office/drawing/2014/main" id="{014D83E0-F80E-4014-B535-4A58DBBF335D}"/>
+              </a:ext>
+            </a:extLst>
+          </p:cNvPr>
+          <p:cNvSpPr txBox="1"/>
+          <p:nvPr/>
+        </p:nvSpPr>
+        <p:spPr>
+          <a:xfrm>
+            <a:off x="1191091" y="3016990"/>
+            <a:ext cx="2318727" cy="844847"/>
+          </a:xfrm>
+          <a:prstGeom prst="rect">
+            <a:avLst/>
+          </a:prstGeom>
+          <a:solidFill>
+            <a:schemeClr val="bg1"/>
+          </a:solidFill>
+          <a:ln>
+            <a:solidFill>
+              <a:schemeClr val="bg2">
+                <a:lumMod val="50000"/>
+              </a:schemeClr>
+            </a:solidFill>
+            <a:prstDash val="dash"/>
+          </a:ln>
+        </p:spPr>
+        <p:txBody>
+          <a:bodyPr wrap="square" lIns="18288" tIns="18288" rIns="18288" bIns="18288" rtlCol="0">
+            <a:spAutoFit/>
+          </a:bodyPr>
+          <a:lstStyle/>
+          <a:p>
+            <a:r>
+              <a:rPr lang="en-US" sz="1050" dirty="0">
+                <a:solidFill>
+                  <a:schemeClr val="bg2">
+                    <a:lumMod val="50000"/>
+                  </a:schemeClr>
+                </a:solidFill>
+              </a:rPr>
+              <a:t>note: this demo example was run using the ‘Consolidate Manufacturers=TRUE’ option. When OMEGA is run for individual producers, this chart will show sales for each, as well as the total (orange line.)</a:t>
+            </a:r>
+          </a:p>
+        </p:txBody>
+      </p:sp>
     </p:spTree>
     <p:extLst>
       <p:ext uri="{BB962C8B-B14F-4D97-AF65-F5344CB8AC3E}">
@@ -7494,7 +9028,7 @@
           <p:nvPr/>
         </p:nvPicPr>
         <p:blipFill>
-          <a:blip r:embed="rId2">
+          <a:blip r:embed="rId3">
             <a:extLst>
               <a:ext uri="{28A0092B-C50C-407E-A947-70E740481C1C}">
                 <a14:useLocalDpi xmlns:a14="http://schemas.microsoft.com/office/drawing/2010/main" val="0"/>
@@ -7515,6 +9049,153 @@
           </a:prstGeom>
         </p:spPr>
       </p:pic>
+      <p:sp>
+        <p:nvSpPr>
+          <p:cNvPr id="5" name="TextBox 4">
+            <a:extLst>
+              <a:ext uri="{FF2B5EF4-FFF2-40B4-BE49-F238E27FC236}">
+                <a16:creationId xmlns:a16="http://schemas.microsoft.com/office/drawing/2014/main" id="{437AC1F9-9B8A-42E2-82D0-6D1EADB0B972}"/>
+              </a:ext>
+            </a:extLst>
+          </p:cNvPr>
+          <p:cNvSpPr txBox="1"/>
+          <p:nvPr/>
+        </p:nvSpPr>
+        <p:spPr>
+          <a:xfrm>
+            <a:off x="1745673" y="1899253"/>
+            <a:ext cx="3192248" cy="775597"/>
+          </a:xfrm>
+          <a:prstGeom prst="rect">
+            <a:avLst/>
+          </a:prstGeom>
+          <a:solidFill>
+            <a:schemeClr val="bg1"/>
+          </a:solidFill>
+          <a:ln>
+            <a:solidFill>
+              <a:schemeClr val="bg2">
+                <a:lumMod val="50000"/>
+              </a:schemeClr>
+            </a:solidFill>
+            <a:prstDash val="dash"/>
+          </a:ln>
+        </p:spPr>
+        <p:txBody>
+          <a:bodyPr wrap="square" lIns="18288" tIns="18288" rIns="18288" bIns="18288" rtlCol="0">
+            <a:spAutoFit/>
+          </a:bodyPr>
+          <a:lstStyle/>
+          <a:p>
+            <a:r>
+              <a:rPr lang="en-US" sz="1200" dirty="0">
+                <a:solidFill>
+                  <a:schemeClr val="bg2">
+                    <a:lumMod val="50000"/>
+                  </a:schemeClr>
+                </a:solidFill>
+              </a:rPr>
+              <a:t>Deviations from the analysis context projected sales are the result of the assumed price elasticity of demand for new vehicles, and differences in the generalized costs between Alt 0 and Alt 1.</a:t>
+            </a:r>
+          </a:p>
+        </p:txBody>
+      </p:sp>
+      <p:cxnSp>
+        <p:nvCxnSpPr>
+          <p:cNvPr id="6" name="Straight Arrow Connector 5">
+            <a:extLst>
+              <a:ext uri="{FF2B5EF4-FFF2-40B4-BE49-F238E27FC236}">
+                <a16:creationId xmlns:a16="http://schemas.microsoft.com/office/drawing/2014/main" id="{BCF1D0D4-062C-4DE3-BF3A-D53E64CC116D}"/>
+              </a:ext>
+            </a:extLst>
+          </p:cNvPr>
+          <p:cNvCxnSpPr>
+            <a:cxnSpLocks/>
+            <a:endCxn id="5" idx="0"/>
+          </p:cNvCxnSpPr>
+          <p:nvPr/>
+        </p:nvCxnSpPr>
+        <p:spPr>
+          <a:xfrm>
+            <a:off x="2641600" y="1034473"/>
+            <a:ext cx="700197" cy="864780"/>
+          </a:xfrm>
+          <a:prstGeom prst="straightConnector1">
+            <a:avLst/>
+          </a:prstGeom>
+          <a:ln w="12700">
+            <a:solidFill>
+              <a:schemeClr val="bg2">
+                <a:lumMod val="50000"/>
+              </a:schemeClr>
+            </a:solidFill>
+            <a:prstDash val="dash"/>
+            <a:tailEnd type="none"/>
+          </a:ln>
+        </p:spPr>
+        <p:style>
+          <a:lnRef idx="1">
+            <a:schemeClr val="accent1"/>
+          </a:lnRef>
+          <a:fillRef idx="0">
+            <a:schemeClr val="accent1"/>
+          </a:fillRef>
+          <a:effectRef idx="0">
+            <a:schemeClr val="accent1"/>
+          </a:effectRef>
+          <a:fontRef idx="minor">
+            <a:schemeClr val="tx1"/>
+          </a:fontRef>
+        </p:style>
+      </p:cxnSp>
+      <p:cxnSp>
+        <p:nvCxnSpPr>
+          <p:cNvPr id="10" name="Straight Arrow Connector 9">
+            <a:extLst>
+              <a:ext uri="{FF2B5EF4-FFF2-40B4-BE49-F238E27FC236}">
+                <a16:creationId xmlns:a16="http://schemas.microsoft.com/office/drawing/2014/main" id="{084BE032-2B1E-4780-B50C-272DBFAC6EE4}"/>
+              </a:ext>
+            </a:extLst>
+          </p:cNvPr>
+          <p:cNvCxnSpPr>
+            <a:cxnSpLocks/>
+            <a:endCxn id="5" idx="0"/>
+          </p:cNvCxnSpPr>
+          <p:nvPr/>
+        </p:nvCxnSpPr>
+        <p:spPr>
+          <a:xfrm flipH="1">
+            <a:off x="3341797" y="1394691"/>
+            <a:ext cx="990060" cy="504562"/>
+          </a:xfrm>
+          <a:prstGeom prst="straightConnector1">
+            <a:avLst/>
+          </a:prstGeom>
+          <a:ln w="12700">
+            <a:solidFill>
+              <a:schemeClr val="bg2">
+                <a:lumMod val="50000"/>
+              </a:schemeClr>
+            </a:solidFill>
+            <a:prstDash val="dash"/>
+            <a:tailEnd type="none"/>
+          </a:ln>
+        </p:spPr>
+        <p:style>
+          <a:lnRef idx="1">
+            <a:schemeClr val="accent1"/>
+          </a:lnRef>
+          <a:fillRef idx="0">
+            <a:schemeClr val="accent1"/>
+          </a:fillRef>
+          <a:effectRef idx="0">
+            <a:schemeClr val="accent1"/>
+          </a:effectRef>
+          <a:fontRef idx="minor">
+            <a:schemeClr val="tx1"/>
+          </a:fontRef>
+        </p:style>
+      </p:cxnSp>
     </p:spTree>
     <p:extLst>
       <p:ext uri="{BB962C8B-B14F-4D97-AF65-F5344CB8AC3E}">
